--- a/azure_port.pptx
+++ b/azure_port.pptx
@@ -112,6 +112,22 @@
       </a:defRPr>
     </a:lvl9pPr>
   </p:defaultTextStyle>
+  <p:extLst>
+    <p:ext uri="{EFAFB233-063F-42B5-8137-9DF3F51BA10A}">
+      <p15:sldGuideLst xmlns:p15="http://schemas.microsoft.com/office/powerpoint/2012/main">
+        <p15:guide id="1" orient="horz" pos="2160">
+          <p15:clr>
+            <a:srgbClr val="A4A3A4"/>
+          </p15:clr>
+        </p15:guide>
+        <p15:guide id="2" pos="2880">
+          <p15:clr>
+            <a:srgbClr val="A4A3A4"/>
+          </p15:clr>
+        </p15:guide>
+      </p15:sldGuideLst>
+    </p:ext>
+  </p:extLst>
 </p:presentation>
 </file>
 
@@ -296,7 +312,7 @@
           <a:p>
             <a:fld id="{88D3F7F8-2F44-254F-A1CA-530BDC5FEF40}" type="datetimeFigureOut">
               <a:rPr lang="en-US" smtClean="0"/>
-              <a:t>8/25/15</a:t>
+              <a:t>10/15/15</a:t>
             </a:fld>
             <a:endParaRPr lang="en-US"/>
           </a:p>
@@ -466,7 +482,7 @@
           <a:p>
             <a:fld id="{88D3F7F8-2F44-254F-A1CA-530BDC5FEF40}" type="datetimeFigureOut">
               <a:rPr lang="en-US" smtClean="0"/>
-              <a:t>8/25/15</a:t>
+              <a:t>10/15/15</a:t>
             </a:fld>
             <a:endParaRPr lang="en-US"/>
           </a:p>
@@ -646,7 +662,7 @@
           <a:p>
             <a:fld id="{88D3F7F8-2F44-254F-A1CA-530BDC5FEF40}" type="datetimeFigureOut">
               <a:rPr lang="en-US" smtClean="0"/>
-              <a:t>8/25/15</a:t>
+              <a:t>10/15/15</a:t>
             </a:fld>
             <a:endParaRPr lang="en-US"/>
           </a:p>
@@ -816,7 +832,7 @@
           <a:p>
             <a:fld id="{88D3F7F8-2F44-254F-A1CA-530BDC5FEF40}" type="datetimeFigureOut">
               <a:rPr lang="en-US" smtClean="0"/>
-              <a:t>8/25/15</a:t>
+              <a:t>10/15/15</a:t>
             </a:fld>
             <a:endParaRPr lang="en-US"/>
           </a:p>
@@ -1062,7 +1078,7 @@
           <a:p>
             <a:fld id="{88D3F7F8-2F44-254F-A1CA-530BDC5FEF40}" type="datetimeFigureOut">
               <a:rPr lang="en-US" smtClean="0"/>
-              <a:t>8/25/15</a:t>
+              <a:t>10/15/15</a:t>
             </a:fld>
             <a:endParaRPr lang="en-US"/>
           </a:p>
@@ -1350,7 +1366,7 @@
           <a:p>
             <a:fld id="{88D3F7F8-2F44-254F-A1CA-530BDC5FEF40}" type="datetimeFigureOut">
               <a:rPr lang="en-US" smtClean="0"/>
-              <a:t>8/25/15</a:t>
+              <a:t>10/15/15</a:t>
             </a:fld>
             <a:endParaRPr lang="en-US"/>
           </a:p>
@@ -1772,7 +1788,7 @@
           <a:p>
             <a:fld id="{88D3F7F8-2F44-254F-A1CA-530BDC5FEF40}" type="datetimeFigureOut">
               <a:rPr lang="en-US" smtClean="0"/>
-              <a:t>8/25/15</a:t>
+              <a:t>10/15/15</a:t>
             </a:fld>
             <a:endParaRPr lang="en-US"/>
           </a:p>
@@ -1890,7 +1906,7 @@
           <a:p>
             <a:fld id="{88D3F7F8-2F44-254F-A1CA-530BDC5FEF40}" type="datetimeFigureOut">
               <a:rPr lang="en-US" smtClean="0"/>
-              <a:t>8/25/15</a:t>
+              <a:t>10/15/15</a:t>
             </a:fld>
             <a:endParaRPr lang="en-US"/>
           </a:p>
@@ -1985,7 +2001,7 @@
           <a:p>
             <a:fld id="{88D3F7F8-2F44-254F-A1CA-530BDC5FEF40}" type="datetimeFigureOut">
               <a:rPr lang="en-US" smtClean="0"/>
-              <a:t>8/25/15</a:t>
+              <a:t>10/15/15</a:t>
             </a:fld>
             <a:endParaRPr lang="en-US"/>
           </a:p>
@@ -2262,7 +2278,7 @@
           <a:p>
             <a:fld id="{88D3F7F8-2F44-254F-A1CA-530BDC5FEF40}" type="datetimeFigureOut">
               <a:rPr lang="en-US" smtClean="0"/>
-              <a:t>8/25/15</a:t>
+              <a:t>10/15/15</a:t>
             </a:fld>
             <a:endParaRPr lang="en-US"/>
           </a:p>
@@ -2515,7 +2531,7 @@
           <a:p>
             <a:fld id="{88D3F7F8-2F44-254F-A1CA-530BDC5FEF40}" type="datetimeFigureOut">
               <a:rPr lang="en-US" smtClean="0"/>
-              <a:t>8/25/15</a:t>
+              <a:t>10/15/15</a:t>
             </a:fld>
             <a:endParaRPr lang="en-US"/>
           </a:p>
@@ -2728,7 +2744,7 @@
           <a:p>
             <a:fld id="{88D3F7F8-2F44-254F-A1CA-530BDC5FEF40}" type="datetimeFigureOut">
               <a:rPr lang="en-US" smtClean="0"/>
-              <a:t>8/25/15</a:t>
+              <a:t>10/15/15</a:t>
             </a:fld>
             <a:endParaRPr lang="en-US"/>
           </a:p>
@@ -3930,7 +3946,7 @@
                 <a:latin typeface="Gill Sans"/>
                 <a:cs typeface="Gill Sans"/>
               </a:rPr>
-              <a:t>8112)</a:t>
+              <a:t>8111)</a:t>
             </a:r>
             <a:endParaRPr lang="en-US" sz="3000" dirty="0">
               <a:latin typeface="Gill Sans"/>
@@ -3963,14 +3979,14 @@
                 <a:latin typeface="Gill Sans"/>
                 <a:cs typeface="Gill Sans"/>
               </a:rPr>
-              <a:t>	e.g., ewutest.cloudapp.net</a:t>
+              <a:t>	e.g., </a:t>
             </a:r>
             <a:r>
               <a:rPr lang="en-US" sz="3000" dirty="0" smtClean="0">
                 <a:latin typeface="Gill Sans"/>
                 <a:cs typeface="Gill Sans"/>
               </a:rPr>
-              <a:t>:8112</a:t>
+              <a:t>ewutest.cloudapp.net:8111</a:t>
             </a:r>
             <a:endParaRPr lang="en-US" sz="3000" dirty="0">
               <a:latin typeface="Gill Sans"/>
@@ -3997,6 +4013,54 @@
           <a:xfrm>
             <a:off x="1893365" y="2617205"/>
             <a:ext cx="5500007" cy="4240795"/>
+          </a:xfrm>
+          <a:prstGeom prst="rect">
+            <a:avLst/>
+          </a:prstGeom>
+        </p:spPr>
+      </p:pic>
+      <p:pic>
+        <p:nvPicPr>
+          <p:cNvPr id="4" name="Picture 3"/>
+          <p:cNvPicPr>
+            <a:picLocks noChangeAspect="1"/>
+          </p:cNvPicPr>
+          <p:nvPr/>
+        </p:nvPicPr>
+        <p:blipFill>
+          <a:blip r:embed="rId3"/>
+          <a:stretch>
+            <a:fillRect/>
+          </a:stretch>
+        </p:blipFill>
+        <p:spPr>
+          <a:xfrm>
+            <a:off x="2835031" y="4825999"/>
+            <a:ext cx="61039" cy="88167"/>
+          </a:xfrm>
+          <a:prstGeom prst="rect">
+            <a:avLst/>
+          </a:prstGeom>
+        </p:spPr>
+      </p:pic>
+      <p:pic>
+        <p:nvPicPr>
+          <p:cNvPr id="9" name="Picture 8"/>
+          <p:cNvPicPr>
+            <a:picLocks noChangeAspect="1"/>
+          </p:cNvPicPr>
+          <p:nvPr/>
+        </p:nvPicPr>
+        <p:blipFill>
+          <a:blip r:embed="rId3"/>
+          <a:stretch>
+            <a:fillRect/>
+          </a:stretch>
+        </p:blipFill>
+        <p:spPr>
+          <a:xfrm>
+            <a:off x="2835030" y="5321299"/>
+            <a:ext cx="61039" cy="88167"/>
           </a:xfrm>
           <a:prstGeom prst="rect">
             <a:avLst/>
